--- a/math/math.pptx
+++ b/math/math.pptx
@@ -6,6 +6,7 @@
   </p:sldMasterIdLst>
   <p:sldIdLst>
     <p:sldId id="258" r:id="rId2"/>
+    <p:sldId id="259" r:id="rId3"/>
   </p:sldIdLst>
   <p:sldSz cx="12192000" cy="6858000"/>
   <p:notesSz cx="6858000" cy="9144000"/>
@@ -104,6 +105,11 @@
       </a:defRPr>
     </a:lvl9pPr>
   </p:defaultTextStyle>
+  <p:extLst>
+    <p:ext uri="{EFAFB233-063F-42B5-8137-9DF3F51BA10A}">
+      <p15:sldGuideLst xmlns:p15="http://schemas.microsoft.com/office/powerpoint/2012/main"/>
+    </p:ext>
+  </p:extLst>
 </p:presentation>
 </file>
 
@@ -256,7 +262,7 @@
           <a:p>
             <a:fld id="{5F2BE2C0-469B-224E-BECF-5767E40CF73F}" type="datetimeFigureOut">
               <a:rPr lang="en-CN" smtClean="0"/>
-              <a:t>2023/3/31</a:t>
+              <a:t>2023/4/6</a:t>
             </a:fld>
             <a:endParaRPr lang="en-CN"/>
           </a:p>
@@ -456,7 +462,7 @@
           <a:p>
             <a:fld id="{5F2BE2C0-469B-224E-BECF-5767E40CF73F}" type="datetimeFigureOut">
               <a:rPr lang="en-CN" smtClean="0"/>
-              <a:t>2023/3/31</a:t>
+              <a:t>2023/4/6</a:t>
             </a:fld>
             <a:endParaRPr lang="en-CN"/>
           </a:p>
@@ -666,7 +672,7 @@
           <a:p>
             <a:fld id="{5F2BE2C0-469B-224E-BECF-5767E40CF73F}" type="datetimeFigureOut">
               <a:rPr lang="en-CN" smtClean="0"/>
-              <a:t>2023/3/31</a:t>
+              <a:t>2023/4/6</a:t>
             </a:fld>
             <a:endParaRPr lang="en-CN"/>
           </a:p>
@@ -866,7 +872,7 @@
           <a:p>
             <a:fld id="{5F2BE2C0-469B-224E-BECF-5767E40CF73F}" type="datetimeFigureOut">
               <a:rPr lang="en-CN" smtClean="0"/>
-              <a:t>2023/3/31</a:t>
+              <a:t>2023/4/6</a:t>
             </a:fld>
             <a:endParaRPr lang="en-CN"/>
           </a:p>
@@ -1142,7 +1148,7 @@
           <a:p>
             <a:fld id="{5F2BE2C0-469B-224E-BECF-5767E40CF73F}" type="datetimeFigureOut">
               <a:rPr lang="en-CN" smtClean="0"/>
-              <a:t>2023/3/31</a:t>
+              <a:t>2023/4/6</a:t>
             </a:fld>
             <a:endParaRPr lang="en-CN"/>
           </a:p>
@@ -1410,7 +1416,7 @@
           <a:p>
             <a:fld id="{5F2BE2C0-469B-224E-BECF-5767E40CF73F}" type="datetimeFigureOut">
               <a:rPr lang="en-CN" smtClean="0"/>
-              <a:t>2023/3/31</a:t>
+              <a:t>2023/4/6</a:t>
             </a:fld>
             <a:endParaRPr lang="en-CN"/>
           </a:p>
@@ -1825,7 +1831,7 @@
           <a:p>
             <a:fld id="{5F2BE2C0-469B-224E-BECF-5767E40CF73F}" type="datetimeFigureOut">
               <a:rPr lang="en-CN" smtClean="0"/>
-              <a:t>2023/3/31</a:t>
+              <a:t>2023/4/6</a:t>
             </a:fld>
             <a:endParaRPr lang="en-CN"/>
           </a:p>
@@ -1967,7 +1973,7 @@
           <a:p>
             <a:fld id="{5F2BE2C0-469B-224E-BECF-5767E40CF73F}" type="datetimeFigureOut">
               <a:rPr lang="en-CN" smtClean="0"/>
-              <a:t>2023/3/31</a:t>
+              <a:t>2023/4/6</a:t>
             </a:fld>
             <a:endParaRPr lang="en-CN"/>
           </a:p>
@@ -2080,7 +2086,7 @@
           <a:p>
             <a:fld id="{5F2BE2C0-469B-224E-BECF-5767E40CF73F}" type="datetimeFigureOut">
               <a:rPr lang="en-CN" smtClean="0"/>
-              <a:t>2023/3/31</a:t>
+              <a:t>2023/4/6</a:t>
             </a:fld>
             <a:endParaRPr lang="en-CN"/>
           </a:p>
@@ -2393,7 +2399,7 @@
           <a:p>
             <a:fld id="{5F2BE2C0-469B-224E-BECF-5767E40CF73F}" type="datetimeFigureOut">
               <a:rPr lang="en-CN" smtClean="0"/>
-              <a:t>2023/3/31</a:t>
+              <a:t>2023/4/6</a:t>
             </a:fld>
             <a:endParaRPr lang="en-CN"/>
           </a:p>
@@ -2682,7 +2688,7 @@
           <a:p>
             <a:fld id="{5F2BE2C0-469B-224E-BECF-5767E40CF73F}" type="datetimeFigureOut">
               <a:rPr lang="en-CN" smtClean="0"/>
-              <a:t>2023/3/31</a:t>
+              <a:t>2023/4/6</a:t>
             </a:fld>
             <a:endParaRPr lang="en-CN"/>
           </a:p>
@@ -2925,7 +2931,7 @@
           <a:p>
             <a:fld id="{5F2BE2C0-469B-224E-BECF-5767E40CF73F}" type="datetimeFigureOut">
               <a:rPr lang="en-CN" smtClean="0"/>
-              <a:t>2023/3/31</a:t>
+              <a:t>2023/4/6</a:t>
             </a:fld>
             <a:endParaRPr lang="en-CN"/>
           </a:p>
@@ -3477,8 +3483,8 @@
           </a:p>
         </p:txBody>
       </p:sp>
-      <mc:AlternateContent xmlns:mc="http://schemas.openxmlformats.org/markup-compatibility/2006">
-        <mc:Choice xmlns:a14="http://schemas.microsoft.com/office/drawing/2010/main" Requires="a14">
+      <mc:AlternateContent xmlns:mc="http://schemas.openxmlformats.org/markup-compatibility/2006" xmlns:a14="http://schemas.microsoft.com/office/drawing/2010/main">
+        <mc:Choice Requires="a14">
           <p:sp>
             <p:nvSpPr>
               <p:cNvPr id="5" name="Rounded Rectangle 4">
@@ -3618,7 +3624,7 @@
             </p:txBody>
           </p:sp>
         </mc:Choice>
-        <mc:Fallback>
+        <mc:Fallback xmlns="">
           <p:sp>
             <p:nvSpPr>
               <p:cNvPr id="5" name="Rounded Rectangle 4">
@@ -3668,8 +3674,8 @@
           </p:sp>
         </mc:Fallback>
       </mc:AlternateContent>
-      <mc:AlternateContent xmlns:mc="http://schemas.openxmlformats.org/markup-compatibility/2006">
-        <mc:Choice xmlns:a14="http://schemas.microsoft.com/office/drawing/2010/main" Requires="a14">
+      <mc:AlternateContent xmlns:mc="http://schemas.openxmlformats.org/markup-compatibility/2006" xmlns:a14="http://schemas.microsoft.com/office/drawing/2010/main">
+        <mc:Choice Requires="a14">
           <p:sp>
             <p:nvSpPr>
               <p:cNvPr id="6" name="Rounded Rectangle 5">
@@ -3774,7 +3780,7 @@
             </p:txBody>
           </p:sp>
         </mc:Choice>
-        <mc:Fallback>
+        <mc:Fallback xmlns="">
           <p:sp>
             <p:nvSpPr>
               <p:cNvPr id="6" name="Rounded Rectangle 5">
@@ -4273,6 +4279,2233 @@
     <p:extLst>
       <p:ext uri="{BB962C8B-B14F-4D97-AF65-F5344CB8AC3E}">
         <p14:creationId xmlns:p14="http://schemas.microsoft.com/office/powerpoint/2010/main" val="4070099051"/>
+      </p:ext>
+    </p:extLst>
+  </p:cSld>
+  <p:clrMapOvr>
+    <a:masterClrMapping/>
+  </p:clrMapOvr>
+</p:sld>
+</file>
+
+<file path=ppt/slides/slide2.xml><?xml version="1.0" encoding="utf-8"?>
+<p:sld xmlns:a="http://schemas.openxmlformats.org/drawingml/2006/main" xmlns:r="http://schemas.openxmlformats.org/officeDocument/2006/relationships" xmlns:p="http://schemas.openxmlformats.org/presentationml/2006/main">
+  <p:cSld>
+    <p:spTree>
+      <p:nvGrpSpPr>
+        <p:cNvPr id="1" name=""/>
+        <p:cNvGrpSpPr/>
+        <p:nvPr/>
+      </p:nvGrpSpPr>
+      <p:grpSpPr>
+        <a:xfrm>
+          <a:off x="0" y="0"/>
+          <a:ext cx="0" cy="0"/>
+          <a:chOff x="0" y="0"/>
+          <a:chExt cx="0" cy="0"/>
+        </a:xfrm>
+      </p:grpSpPr>
+      <p:sp>
+        <p:nvSpPr>
+          <p:cNvPr id="2" name="Oval 1">
+            <a:extLst>
+              <a:ext uri="{FF2B5EF4-FFF2-40B4-BE49-F238E27FC236}">
+                <a16:creationId xmlns:a16="http://schemas.microsoft.com/office/drawing/2014/main" id="{3682F621-E7FB-A984-64C2-8431CDF6CECF}"/>
+              </a:ext>
+            </a:extLst>
+          </p:cNvPr>
+          <p:cNvSpPr/>
+          <p:nvPr/>
+        </p:nvSpPr>
+        <p:spPr>
+          <a:xfrm>
+            <a:off x="357351" y="1166647"/>
+            <a:ext cx="720000" cy="2160000"/>
+          </a:xfrm>
+          <a:prstGeom prst="ellipse">
+            <a:avLst/>
+          </a:prstGeom>
+          <a:ln w="19050">
+            <a:solidFill>
+              <a:schemeClr val="accent1"/>
+            </a:solidFill>
+          </a:ln>
+        </p:spPr>
+        <p:style>
+          <a:lnRef idx="2">
+            <a:schemeClr val="accent6"/>
+          </a:lnRef>
+          <a:fillRef idx="1">
+            <a:schemeClr val="lt1"/>
+          </a:fillRef>
+          <a:effectRef idx="0">
+            <a:schemeClr val="accent6"/>
+          </a:effectRef>
+          <a:fontRef idx="minor">
+            <a:schemeClr val="dk1"/>
+          </a:fontRef>
+        </p:style>
+        <p:txBody>
+          <a:bodyPr rtlCol="0" anchor="ctr"/>
+          <a:lstStyle/>
+          <a:p>
+            <a:pPr algn="ctr">
+              <a:lnSpc>
+                <a:spcPct val="150000"/>
+              </a:lnSpc>
+            </a:pPr>
+            <a:r>
+              <a:rPr lang="en-US" altLang="zh-CN" dirty="0">
+                <a:latin typeface="Times New Roman" panose="02020603050405020304" pitchFamily="18" charset="0"/>
+                <a:cs typeface="Times New Roman" panose="02020603050405020304" pitchFamily="18" charset="0"/>
+              </a:rPr>
+              <a:t>1</a:t>
+            </a:r>
+          </a:p>
+          <a:p>
+            <a:pPr algn="ctr">
+              <a:lnSpc>
+                <a:spcPct val="150000"/>
+              </a:lnSpc>
+            </a:pPr>
+            <a:r>
+              <a:rPr lang="en-US" altLang="zh-CN" dirty="0">
+                <a:latin typeface="Times New Roman" panose="02020603050405020304" pitchFamily="18" charset="0"/>
+                <a:cs typeface="Times New Roman" panose="02020603050405020304" pitchFamily="18" charset="0"/>
+              </a:rPr>
+              <a:t>2</a:t>
+            </a:r>
+          </a:p>
+          <a:p>
+            <a:pPr algn="ctr">
+              <a:lnSpc>
+                <a:spcPct val="150000"/>
+              </a:lnSpc>
+            </a:pPr>
+            <a:r>
+              <a:rPr lang="en-US" altLang="zh-CN" dirty="0">
+                <a:latin typeface="Times New Roman" panose="02020603050405020304" pitchFamily="18" charset="0"/>
+                <a:cs typeface="Times New Roman" panose="02020603050405020304" pitchFamily="18" charset="0"/>
+              </a:rPr>
+              <a:t>3</a:t>
+            </a:r>
+          </a:p>
+          <a:p>
+            <a:pPr algn="ctr">
+              <a:lnSpc>
+                <a:spcPct val="150000"/>
+              </a:lnSpc>
+            </a:pPr>
+            <a:r>
+              <a:rPr lang="en-US" altLang="zh-CN" dirty="0">
+                <a:latin typeface="Times New Roman" panose="02020603050405020304" pitchFamily="18" charset="0"/>
+                <a:cs typeface="Times New Roman" panose="02020603050405020304" pitchFamily="18" charset="0"/>
+              </a:rPr>
+              <a:t>4</a:t>
+            </a:r>
+            <a:endParaRPr lang="en-CN" dirty="0">
+              <a:latin typeface="Times New Roman" panose="02020603050405020304" pitchFamily="18" charset="0"/>
+              <a:cs typeface="Times New Roman" panose="02020603050405020304" pitchFamily="18" charset="0"/>
+            </a:endParaRPr>
+          </a:p>
+        </p:txBody>
+      </p:sp>
+      <p:sp>
+        <p:nvSpPr>
+          <p:cNvPr id="3" name="Oval 2">
+            <a:extLst>
+              <a:ext uri="{FF2B5EF4-FFF2-40B4-BE49-F238E27FC236}">
+                <a16:creationId xmlns:a16="http://schemas.microsoft.com/office/drawing/2014/main" id="{C3BFF1A7-B0EA-7FB9-2642-763680215220}"/>
+              </a:ext>
+            </a:extLst>
+          </p:cNvPr>
+          <p:cNvSpPr/>
+          <p:nvPr/>
+        </p:nvSpPr>
+        <p:spPr>
+          <a:xfrm>
+            <a:off x="2002220" y="1166647"/>
+            <a:ext cx="720000" cy="2160000"/>
+          </a:xfrm>
+          <a:prstGeom prst="ellipse">
+            <a:avLst/>
+          </a:prstGeom>
+          <a:ln w="19050">
+            <a:solidFill>
+              <a:schemeClr val="accent1"/>
+            </a:solidFill>
+          </a:ln>
+        </p:spPr>
+        <p:style>
+          <a:lnRef idx="2">
+            <a:schemeClr val="accent6"/>
+          </a:lnRef>
+          <a:fillRef idx="1">
+            <a:schemeClr val="lt1"/>
+          </a:fillRef>
+          <a:effectRef idx="0">
+            <a:schemeClr val="accent6"/>
+          </a:effectRef>
+          <a:fontRef idx="minor">
+            <a:schemeClr val="dk1"/>
+          </a:fontRef>
+        </p:style>
+        <p:txBody>
+          <a:bodyPr rtlCol="0" anchor="ctr"/>
+          <a:lstStyle/>
+          <a:p>
+            <a:pPr algn="ctr">
+              <a:lnSpc>
+                <a:spcPct val="150000"/>
+              </a:lnSpc>
+            </a:pPr>
+            <a:r>
+              <a:rPr lang="en-US" altLang="zh-CN" dirty="0">
+                <a:latin typeface="Times New Roman" panose="02020603050405020304" pitchFamily="18" charset="0"/>
+                <a:cs typeface="Times New Roman" panose="02020603050405020304" pitchFamily="18" charset="0"/>
+              </a:rPr>
+              <a:t>a</a:t>
+            </a:r>
+          </a:p>
+          <a:p>
+            <a:pPr algn="ctr">
+              <a:lnSpc>
+                <a:spcPct val="150000"/>
+              </a:lnSpc>
+            </a:pPr>
+            <a:r>
+              <a:rPr lang="en-US" altLang="zh-CN" dirty="0">
+                <a:latin typeface="Times New Roman" panose="02020603050405020304" pitchFamily="18" charset="0"/>
+                <a:cs typeface="Times New Roman" panose="02020603050405020304" pitchFamily="18" charset="0"/>
+              </a:rPr>
+              <a:t>b</a:t>
+            </a:r>
+          </a:p>
+          <a:p>
+            <a:pPr algn="ctr">
+              <a:lnSpc>
+                <a:spcPct val="150000"/>
+              </a:lnSpc>
+            </a:pPr>
+            <a:r>
+              <a:rPr lang="en-US" altLang="zh-CN" dirty="0">
+                <a:latin typeface="Times New Roman" panose="02020603050405020304" pitchFamily="18" charset="0"/>
+                <a:cs typeface="Times New Roman" panose="02020603050405020304" pitchFamily="18" charset="0"/>
+              </a:rPr>
+              <a:t>c</a:t>
+            </a:r>
+          </a:p>
+          <a:p>
+            <a:pPr algn="ctr">
+              <a:lnSpc>
+                <a:spcPct val="150000"/>
+              </a:lnSpc>
+            </a:pPr>
+            <a:r>
+              <a:rPr lang="en-US" altLang="zh-CN" dirty="0">
+                <a:latin typeface="Times New Roman" panose="02020603050405020304" pitchFamily="18" charset="0"/>
+                <a:cs typeface="Times New Roman" panose="02020603050405020304" pitchFamily="18" charset="0"/>
+              </a:rPr>
+              <a:t>d</a:t>
+            </a:r>
+            <a:endParaRPr lang="en-CN" dirty="0">
+              <a:latin typeface="Times New Roman" panose="02020603050405020304" pitchFamily="18" charset="0"/>
+              <a:cs typeface="Times New Roman" panose="02020603050405020304" pitchFamily="18" charset="0"/>
+            </a:endParaRPr>
+          </a:p>
+        </p:txBody>
+      </p:sp>
+      <p:sp>
+        <p:nvSpPr>
+          <p:cNvPr id="4" name="TextBox 3">
+            <a:extLst>
+              <a:ext uri="{FF2B5EF4-FFF2-40B4-BE49-F238E27FC236}">
+                <a16:creationId xmlns:a16="http://schemas.microsoft.com/office/drawing/2014/main" id="{FE121452-1C07-9DE1-4634-1232D951C6B4}"/>
+              </a:ext>
+            </a:extLst>
+          </p:cNvPr>
+          <p:cNvSpPr txBox="1"/>
+          <p:nvPr/>
+        </p:nvSpPr>
+        <p:spPr>
+          <a:xfrm>
+            <a:off x="532044" y="766537"/>
+            <a:ext cx="370614" cy="400110"/>
+          </a:xfrm>
+          <a:prstGeom prst="rect">
+            <a:avLst/>
+          </a:prstGeom>
+          <a:noFill/>
+        </p:spPr>
+        <p:txBody>
+          <a:bodyPr wrap="none" rtlCol="0">
+            <a:spAutoFit/>
+          </a:bodyPr>
+          <a:lstStyle/>
+          <a:p>
+            <a:r>
+              <a:rPr lang="en-US" altLang="zh-CN" sz="2000" dirty="0">
+                <a:latin typeface="Times New Roman" panose="02020603050405020304" pitchFamily="18" charset="0"/>
+                <a:cs typeface="Times New Roman" panose="02020603050405020304" pitchFamily="18" charset="0"/>
+              </a:rPr>
+              <a:t>X</a:t>
+            </a:r>
+            <a:endParaRPr lang="en-CN" sz="2000" dirty="0">
+              <a:latin typeface="Times New Roman" panose="02020603050405020304" pitchFamily="18" charset="0"/>
+              <a:cs typeface="Times New Roman" panose="02020603050405020304" pitchFamily="18" charset="0"/>
+            </a:endParaRPr>
+          </a:p>
+        </p:txBody>
+      </p:sp>
+      <p:sp>
+        <p:nvSpPr>
+          <p:cNvPr id="5" name="TextBox 4">
+            <a:extLst>
+              <a:ext uri="{FF2B5EF4-FFF2-40B4-BE49-F238E27FC236}">
+                <a16:creationId xmlns:a16="http://schemas.microsoft.com/office/drawing/2014/main" id="{1AE9F2F8-ECBF-41C2-3C2B-9D40282F8D44}"/>
+              </a:ext>
+            </a:extLst>
+          </p:cNvPr>
+          <p:cNvSpPr txBox="1"/>
+          <p:nvPr/>
+        </p:nvSpPr>
+        <p:spPr>
+          <a:xfrm>
+            <a:off x="2176913" y="766537"/>
+            <a:ext cx="370614" cy="400110"/>
+          </a:xfrm>
+          <a:prstGeom prst="rect">
+            <a:avLst/>
+          </a:prstGeom>
+          <a:noFill/>
+        </p:spPr>
+        <p:txBody>
+          <a:bodyPr wrap="none" rtlCol="0">
+            <a:spAutoFit/>
+          </a:bodyPr>
+          <a:lstStyle/>
+          <a:p>
+            <a:r>
+              <a:rPr lang="en-US" altLang="zh-CN" sz="2000" dirty="0">
+                <a:latin typeface="Times New Roman" panose="02020603050405020304" pitchFamily="18" charset="0"/>
+                <a:cs typeface="Times New Roman" panose="02020603050405020304" pitchFamily="18" charset="0"/>
+              </a:rPr>
+              <a:t>Y</a:t>
+            </a:r>
+            <a:endParaRPr lang="en-CN" sz="2000" dirty="0">
+              <a:latin typeface="Times New Roman" panose="02020603050405020304" pitchFamily="18" charset="0"/>
+              <a:cs typeface="Times New Roman" panose="02020603050405020304" pitchFamily="18" charset="0"/>
+            </a:endParaRPr>
+          </a:p>
+        </p:txBody>
+      </p:sp>
+      <p:cxnSp>
+        <p:nvCxnSpPr>
+          <p:cNvPr id="7" name="Straight Arrow Connector 6">
+            <a:extLst>
+              <a:ext uri="{FF2B5EF4-FFF2-40B4-BE49-F238E27FC236}">
+                <a16:creationId xmlns:a16="http://schemas.microsoft.com/office/drawing/2014/main" id="{3DAEE323-09B8-7D03-1694-CAE7B386E870}"/>
+              </a:ext>
+            </a:extLst>
+          </p:cNvPr>
+          <p:cNvCxnSpPr>
+            <a:cxnSpLocks/>
+          </p:cNvCxnSpPr>
+          <p:nvPr/>
+        </p:nvCxnSpPr>
+        <p:spPr>
+          <a:xfrm>
+            <a:off x="798786" y="1681655"/>
+            <a:ext cx="1440000" cy="0"/>
+          </a:xfrm>
+          <a:prstGeom prst="straightConnector1">
+            <a:avLst/>
+          </a:prstGeom>
+          <a:ln w="12700">
+            <a:solidFill>
+              <a:schemeClr val="tx1"/>
+            </a:solidFill>
+            <a:tailEnd type="triangle"/>
+          </a:ln>
+        </p:spPr>
+        <p:style>
+          <a:lnRef idx="1">
+            <a:schemeClr val="accent1"/>
+          </a:lnRef>
+          <a:fillRef idx="0">
+            <a:schemeClr val="accent1"/>
+          </a:fillRef>
+          <a:effectRef idx="0">
+            <a:schemeClr val="accent1"/>
+          </a:effectRef>
+          <a:fontRef idx="minor">
+            <a:schemeClr val="tx1"/>
+          </a:fontRef>
+        </p:style>
+      </p:cxnSp>
+      <p:cxnSp>
+        <p:nvCxnSpPr>
+          <p:cNvPr id="11" name="Straight Arrow Connector 10">
+            <a:extLst>
+              <a:ext uri="{FF2B5EF4-FFF2-40B4-BE49-F238E27FC236}">
+                <a16:creationId xmlns:a16="http://schemas.microsoft.com/office/drawing/2014/main" id="{3E74D66A-9A88-5CD4-5E97-56A5779277F5}"/>
+              </a:ext>
+            </a:extLst>
+          </p:cNvPr>
+          <p:cNvCxnSpPr>
+            <a:cxnSpLocks/>
+          </p:cNvCxnSpPr>
+          <p:nvPr/>
+        </p:nvCxnSpPr>
+        <p:spPr>
+          <a:xfrm>
+            <a:off x="798786" y="2107324"/>
+            <a:ext cx="1440000" cy="0"/>
+          </a:xfrm>
+          <a:prstGeom prst="straightConnector1">
+            <a:avLst/>
+          </a:prstGeom>
+          <a:ln w="12700">
+            <a:solidFill>
+              <a:schemeClr val="tx1"/>
+            </a:solidFill>
+            <a:tailEnd type="triangle"/>
+          </a:ln>
+        </p:spPr>
+        <p:style>
+          <a:lnRef idx="1">
+            <a:schemeClr val="accent1"/>
+          </a:lnRef>
+          <a:fillRef idx="0">
+            <a:schemeClr val="accent1"/>
+          </a:fillRef>
+          <a:effectRef idx="0">
+            <a:schemeClr val="accent1"/>
+          </a:effectRef>
+          <a:fontRef idx="minor">
+            <a:schemeClr val="tx1"/>
+          </a:fontRef>
+        </p:style>
+      </p:cxnSp>
+      <p:cxnSp>
+        <p:nvCxnSpPr>
+          <p:cNvPr id="12" name="Straight Arrow Connector 11">
+            <a:extLst>
+              <a:ext uri="{FF2B5EF4-FFF2-40B4-BE49-F238E27FC236}">
+                <a16:creationId xmlns:a16="http://schemas.microsoft.com/office/drawing/2014/main" id="{026BDECA-2ED2-E452-9204-C00CA0036840}"/>
+              </a:ext>
+            </a:extLst>
+          </p:cNvPr>
+          <p:cNvCxnSpPr>
+            <a:cxnSpLocks/>
+          </p:cNvCxnSpPr>
+          <p:nvPr/>
+        </p:nvCxnSpPr>
+        <p:spPr>
+          <a:xfrm>
+            <a:off x="798786" y="2522483"/>
+            <a:ext cx="1440000" cy="0"/>
+          </a:xfrm>
+          <a:prstGeom prst="straightConnector1">
+            <a:avLst/>
+          </a:prstGeom>
+          <a:ln w="12700">
+            <a:solidFill>
+              <a:schemeClr val="tx1"/>
+            </a:solidFill>
+            <a:tailEnd type="triangle"/>
+          </a:ln>
+        </p:spPr>
+        <p:style>
+          <a:lnRef idx="1">
+            <a:schemeClr val="accent1"/>
+          </a:lnRef>
+          <a:fillRef idx="0">
+            <a:schemeClr val="accent1"/>
+          </a:fillRef>
+          <a:effectRef idx="0">
+            <a:schemeClr val="accent1"/>
+          </a:effectRef>
+          <a:fontRef idx="minor">
+            <a:schemeClr val="tx1"/>
+          </a:fontRef>
+        </p:style>
+      </p:cxnSp>
+      <p:cxnSp>
+        <p:nvCxnSpPr>
+          <p:cNvPr id="13" name="Straight Arrow Connector 12">
+            <a:extLst>
+              <a:ext uri="{FF2B5EF4-FFF2-40B4-BE49-F238E27FC236}">
+                <a16:creationId xmlns:a16="http://schemas.microsoft.com/office/drawing/2014/main" id="{C47F24D4-7D47-D3AC-03D4-43744035A109}"/>
+              </a:ext>
+            </a:extLst>
+          </p:cNvPr>
+          <p:cNvCxnSpPr>
+            <a:cxnSpLocks/>
+          </p:cNvCxnSpPr>
+          <p:nvPr/>
+        </p:nvCxnSpPr>
+        <p:spPr>
+          <a:xfrm>
+            <a:off x="798786" y="2916621"/>
+            <a:ext cx="1440000" cy="0"/>
+          </a:xfrm>
+          <a:prstGeom prst="straightConnector1">
+            <a:avLst/>
+          </a:prstGeom>
+          <a:ln w="12700">
+            <a:solidFill>
+              <a:schemeClr val="tx1"/>
+            </a:solidFill>
+            <a:tailEnd type="triangle"/>
+          </a:ln>
+        </p:spPr>
+        <p:style>
+          <a:lnRef idx="1">
+            <a:schemeClr val="accent1"/>
+          </a:lnRef>
+          <a:fillRef idx="0">
+            <a:schemeClr val="accent1"/>
+          </a:fillRef>
+          <a:effectRef idx="0">
+            <a:schemeClr val="accent1"/>
+          </a:effectRef>
+          <a:fontRef idx="minor">
+            <a:schemeClr val="tx1"/>
+          </a:fontRef>
+        </p:style>
+      </p:cxnSp>
+      <p:sp>
+        <p:nvSpPr>
+          <p:cNvPr id="16" name="TextBox 15">
+            <a:extLst>
+              <a:ext uri="{FF2B5EF4-FFF2-40B4-BE49-F238E27FC236}">
+                <a16:creationId xmlns:a16="http://schemas.microsoft.com/office/drawing/2014/main" id="{1D4E0941-5E46-47D8-10EB-D8081EE26FDA}"/>
+              </a:ext>
+            </a:extLst>
+          </p:cNvPr>
+          <p:cNvSpPr txBox="1"/>
+          <p:nvPr/>
+        </p:nvSpPr>
+        <p:spPr>
+          <a:xfrm>
+            <a:off x="272291" y="3429000"/>
+            <a:ext cx="2492990" cy="400110"/>
+          </a:xfrm>
+          <a:prstGeom prst="rect">
+            <a:avLst/>
+          </a:prstGeom>
+          <a:noFill/>
+        </p:spPr>
+        <p:txBody>
+          <a:bodyPr wrap="none" rtlCol="0">
+            <a:spAutoFit/>
+          </a:bodyPr>
+          <a:lstStyle/>
+          <a:p>
+            <a:r>
+              <a:rPr lang="en-US" sz="2000" dirty="0" err="1">
+                <a:latin typeface="Kaiti SC" panose="02010600040101010101" pitchFamily="2" charset="-122"/>
+                <a:ea typeface="Kaiti SC" panose="02010600040101010101" pitchFamily="2" charset="-122"/>
+              </a:rPr>
+              <a:t>双射</a:t>
+            </a:r>
+            <a:r>
+              <a:rPr lang="zh-CN" altLang="en-US" sz="2000" dirty="0">
+                <a:latin typeface="Kaiti SC" panose="02010600040101010101" pitchFamily="2" charset="-122"/>
+                <a:ea typeface="Kaiti SC" panose="02010600040101010101" pitchFamily="2" charset="-122"/>
+              </a:rPr>
+              <a:t>（单射与满射）</a:t>
+            </a:r>
+            <a:endParaRPr lang="en-CN" sz="2000" dirty="0">
+              <a:latin typeface="Kaiti SC" panose="02010600040101010101" pitchFamily="2" charset="-122"/>
+              <a:ea typeface="Kaiti SC" panose="02010600040101010101" pitchFamily="2" charset="-122"/>
+            </a:endParaRPr>
+          </a:p>
+        </p:txBody>
+      </p:sp>
+      <p:sp>
+        <p:nvSpPr>
+          <p:cNvPr id="17" name="Oval 16">
+            <a:extLst>
+              <a:ext uri="{FF2B5EF4-FFF2-40B4-BE49-F238E27FC236}">
+                <a16:creationId xmlns:a16="http://schemas.microsoft.com/office/drawing/2014/main" id="{B1882863-AD99-4265-AE58-FF2E18B3EE8B}"/>
+              </a:ext>
+            </a:extLst>
+          </p:cNvPr>
+          <p:cNvSpPr/>
+          <p:nvPr/>
+        </p:nvSpPr>
+        <p:spPr>
+          <a:xfrm>
+            <a:off x="3423408" y="1166647"/>
+            <a:ext cx="720000" cy="2160000"/>
+          </a:xfrm>
+          <a:prstGeom prst="ellipse">
+            <a:avLst/>
+          </a:prstGeom>
+          <a:ln w="19050">
+            <a:solidFill>
+              <a:schemeClr val="accent1"/>
+            </a:solidFill>
+          </a:ln>
+        </p:spPr>
+        <p:style>
+          <a:lnRef idx="2">
+            <a:schemeClr val="accent6"/>
+          </a:lnRef>
+          <a:fillRef idx="1">
+            <a:schemeClr val="lt1"/>
+          </a:fillRef>
+          <a:effectRef idx="0">
+            <a:schemeClr val="accent6"/>
+          </a:effectRef>
+          <a:fontRef idx="minor">
+            <a:schemeClr val="dk1"/>
+          </a:fontRef>
+        </p:style>
+        <p:txBody>
+          <a:bodyPr rtlCol="0" anchor="ctr"/>
+          <a:lstStyle/>
+          <a:p>
+            <a:pPr algn="ctr">
+              <a:lnSpc>
+                <a:spcPct val="150000"/>
+              </a:lnSpc>
+            </a:pPr>
+            <a:r>
+              <a:rPr lang="en-US" altLang="zh-CN" dirty="0">
+                <a:latin typeface="Times New Roman" panose="02020603050405020304" pitchFamily="18" charset="0"/>
+                <a:cs typeface="Times New Roman" panose="02020603050405020304" pitchFamily="18" charset="0"/>
+              </a:rPr>
+              <a:t>1</a:t>
+            </a:r>
+          </a:p>
+          <a:p>
+            <a:pPr algn="ctr">
+              <a:lnSpc>
+                <a:spcPct val="150000"/>
+              </a:lnSpc>
+            </a:pPr>
+            <a:r>
+              <a:rPr lang="en-US" altLang="zh-CN" dirty="0">
+                <a:latin typeface="Times New Roman" panose="02020603050405020304" pitchFamily="18" charset="0"/>
+                <a:cs typeface="Times New Roman" panose="02020603050405020304" pitchFamily="18" charset="0"/>
+              </a:rPr>
+              <a:t>2</a:t>
+            </a:r>
+          </a:p>
+          <a:p>
+            <a:pPr algn="ctr">
+              <a:lnSpc>
+                <a:spcPct val="150000"/>
+              </a:lnSpc>
+            </a:pPr>
+            <a:r>
+              <a:rPr lang="en-US" altLang="zh-CN" dirty="0">
+                <a:latin typeface="Times New Roman" panose="02020603050405020304" pitchFamily="18" charset="0"/>
+                <a:cs typeface="Times New Roman" panose="02020603050405020304" pitchFamily="18" charset="0"/>
+              </a:rPr>
+              <a:t>3</a:t>
+            </a:r>
+          </a:p>
+          <a:p>
+            <a:pPr algn="ctr">
+              <a:lnSpc>
+                <a:spcPct val="150000"/>
+              </a:lnSpc>
+            </a:pPr>
+            <a:endParaRPr lang="en-CN" dirty="0">
+              <a:latin typeface="Times New Roman" panose="02020603050405020304" pitchFamily="18" charset="0"/>
+              <a:cs typeface="Times New Roman" panose="02020603050405020304" pitchFamily="18" charset="0"/>
+            </a:endParaRPr>
+          </a:p>
+        </p:txBody>
+      </p:sp>
+      <p:sp>
+        <p:nvSpPr>
+          <p:cNvPr id="18" name="Oval 17">
+            <a:extLst>
+              <a:ext uri="{FF2B5EF4-FFF2-40B4-BE49-F238E27FC236}">
+                <a16:creationId xmlns:a16="http://schemas.microsoft.com/office/drawing/2014/main" id="{57F51EAE-2B04-54F9-1B30-4227ACFA0774}"/>
+              </a:ext>
+            </a:extLst>
+          </p:cNvPr>
+          <p:cNvSpPr/>
+          <p:nvPr/>
+        </p:nvSpPr>
+        <p:spPr>
+          <a:xfrm>
+            <a:off x="5068277" y="1166647"/>
+            <a:ext cx="720000" cy="2160000"/>
+          </a:xfrm>
+          <a:prstGeom prst="ellipse">
+            <a:avLst/>
+          </a:prstGeom>
+          <a:ln w="19050">
+            <a:solidFill>
+              <a:schemeClr val="accent1"/>
+            </a:solidFill>
+          </a:ln>
+        </p:spPr>
+        <p:style>
+          <a:lnRef idx="2">
+            <a:schemeClr val="accent6"/>
+          </a:lnRef>
+          <a:fillRef idx="1">
+            <a:schemeClr val="lt1"/>
+          </a:fillRef>
+          <a:effectRef idx="0">
+            <a:schemeClr val="accent6"/>
+          </a:effectRef>
+          <a:fontRef idx="minor">
+            <a:schemeClr val="dk1"/>
+          </a:fontRef>
+        </p:style>
+        <p:txBody>
+          <a:bodyPr rtlCol="0" anchor="ctr"/>
+          <a:lstStyle/>
+          <a:p>
+            <a:pPr algn="ctr">
+              <a:lnSpc>
+                <a:spcPct val="150000"/>
+              </a:lnSpc>
+            </a:pPr>
+            <a:r>
+              <a:rPr lang="en-US" altLang="zh-CN" dirty="0">
+                <a:latin typeface="Times New Roman" panose="02020603050405020304" pitchFamily="18" charset="0"/>
+                <a:cs typeface="Times New Roman" panose="02020603050405020304" pitchFamily="18" charset="0"/>
+              </a:rPr>
+              <a:t>a</a:t>
+            </a:r>
+          </a:p>
+          <a:p>
+            <a:pPr algn="ctr">
+              <a:lnSpc>
+                <a:spcPct val="150000"/>
+              </a:lnSpc>
+            </a:pPr>
+            <a:r>
+              <a:rPr lang="en-US" altLang="zh-CN" dirty="0">
+                <a:latin typeface="Times New Roman" panose="02020603050405020304" pitchFamily="18" charset="0"/>
+                <a:cs typeface="Times New Roman" panose="02020603050405020304" pitchFamily="18" charset="0"/>
+              </a:rPr>
+              <a:t>b</a:t>
+            </a:r>
+          </a:p>
+          <a:p>
+            <a:pPr algn="ctr">
+              <a:lnSpc>
+                <a:spcPct val="150000"/>
+              </a:lnSpc>
+            </a:pPr>
+            <a:r>
+              <a:rPr lang="en-US" altLang="zh-CN" dirty="0">
+                <a:latin typeface="Times New Roman" panose="02020603050405020304" pitchFamily="18" charset="0"/>
+                <a:cs typeface="Times New Roman" panose="02020603050405020304" pitchFamily="18" charset="0"/>
+              </a:rPr>
+              <a:t>c</a:t>
+            </a:r>
+          </a:p>
+          <a:p>
+            <a:pPr algn="ctr">
+              <a:lnSpc>
+                <a:spcPct val="150000"/>
+              </a:lnSpc>
+            </a:pPr>
+            <a:r>
+              <a:rPr lang="en-US" altLang="zh-CN" dirty="0">
+                <a:latin typeface="Times New Roman" panose="02020603050405020304" pitchFamily="18" charset="0"/>
+                <a:cs typeface="Times New Roman" panose="02020603050405020304" pitchFamily="18" charset="0"/>
+              </a:rPr>
+              <a:t>d</a:t>
+            </a:r>
+            <a:endParaRPr lang="en-CN" dirty="0">
+              <a:latin typeface="Times New Roman" panose="02020603050405020304" pitchFamily="18" charset="0"/>
+              <a:cs typeface="Times New Roman" panose="02020603050405020304" pitchFamily="18" charset="0"/>
+            </a:endParaRPr>
+          </a:p>
+        </p:txBody>
+      </p:sp>
+      <p:sp>
+        <p:nvSpPr>
+          <p:cNvPr id="19" name="TextBox 18">
+            <a:extLst>
+              <a:ext uri="{FF2B5EF4-FFF2-40B4-BE49-F238E27FC236}">
+                <a16:creationId xmlns:a16="http://schemas.microsoft.com/office/drawing/2014/main" id="{99CF6B4C-AFCF-7682-D490-2D9417DFA5BB}"/>
+              </a:ext>
+            </a:extLst>
+          </p:cNvPr>
+          <p:cNvSpPr txBox="1"/>
+          <p:nvPr/>
+        </p:nvSpPr>
+        <p:spPr>
+          <a:xfrm>
+            <a:off x="3598101" y="766537"/>
+            <a:ext cx="370614" cy="400110"/>
+          </a:xfrm>
+          <a:prstGeom prst="rect">
+            <a:avLst/>
+          </a:prstGeom>
+          <a:noFill/>
+        </p:spPr>
+        <p:txBody>
+          <a:bodyPr wrap="none" rtlCol="0">
+            <a:spAutoFit/>
+          </a:bodyPr>
+          <a:lstStyle/>
+          <a:p>
+            <a:r>
+              <a:rPr lang="en-US" altLang="zh-CN" sz="2000" dirty="0">
+                <a:latin typeface="Times New Roman" panose="02020603050405020304" pitchFamily="18" charset="0"/>
+                <a:cs typeface="Times New Roman" panose="02020603050405020304" pitchFamily="18" charset="0"/>
+              </a:rPr>
+              <a:t>X</a:t>
+            </a:r>
+            <a:endParaRPr lang="en-CN" sz="2000" dirty="0">
+              <a:latin typeface="Times New Roman" panose="02020603050405020304" pitchFamily="18" charset="0"/>
+              <a:cs typeface="Times New Roman" panose="02020603050405020304" pitchFamily="18" charset="0"/>
+            </a:endParaRPr>
+          </a:p>
+        </p:txBody>
+      </p:sp>
+      <p:sp>
+        <p:nvSpPr>
+          <p:cNvPr id="20" name="TextBox 19">
+            <a:extLst>
+              <a:ext uri="{FF2B5EF4-FFF2-40B4-BE49-F238E27FC236}">
+                <a16:creationId xmlns:a16="http://schemas.microsoft.com/office/drawing/2014/main" id="{3923E69D-C840-1515-9A23-5A1D13A8B90C}"/>
+              </a:ext>
+            </a:extLst>
+          </p:cNvPr>
+          <p:cNvSpPr txBox="1"/>
+          <p:nvPr/>
+        </p:nvSpPr>
+        <p:spPr>
+          <a:xfrm>
+            <a:off x="5242970" y="766537"/>
+            <a:ext cx="370614" cy="400110"/>
+          </a:xfrm>
+          <a:prstGeom prst="rect">
+            <a:avLst/>
+          </a:prstGeom>
+          <a:noFill/>
+        </p:spPr>
+        <p:txBody>
+          <a:bodyPr wrap="none" rtlCol="0">
+            <a:spAutoFit/>
+          </a:bodyPr>
+          <a:lstStyle/>
+          <a:p>
+            <a:r>
+              <a:rPr lang="en-US" altLang="zh-CN" sz="2000" dirty="0">
+                <a:latin typeface="Times New Roman" panose="02020603050405020304" pitchFamily="18" charset="0"/>
+                <a:cs typeface="Times New Roman" panose="02020603050405020304" pitchFamily="18" charset="0"/>
+              </a:rPr>
+              <a:t>Y</a:t>
+            </a:r>
+            <a:endParaRPr lang="en-CN" sz="2000" dirty="0">
+              <a:latin typeface="Times New Roman" panose="02020603050405020304" pitchFamily="18" charset="0"/>
+              <a:cs typeface="Times New Roman" panose="02020603050405020304" pitchFamily="18" charset="0"/>
+            </a:endParaRPr>
+          </a:p>
+        </p:txBody>
+      </p:sp>
+      <p:cxnSp>
+        <p:nvCxnSpPr>
+          <p:cNvPr id="21" name="Straight Arrow Connector 20">
+            <a:extLst>
+              <a:ext uri="{FF2B5EF4-FFF2-40B4-BE49-F238E27FC236}">
+                <a16:creationId xmlns:a16="http://schemas.microsoft.com/office/drawing/2014/main" id="{47C2368E-3397-DF85-48FF-B19EC7238766}"/>
+              </a:ext>
+            </a:extLst>
+          </p:cNvPr>
+          <p:cNvCxnSpPr>
+            <a:cxnSpLocks/>
+          </p:cNvCxnSpPr>
+          <p:nvPr/>
+        </p:nvCxnSpPr>
+        <p:spPr>
+          <a:xfrm>
+            <a:off x="3864843" y="1681655"/>
+            <a:ext cx="1440000" cy="0"/>
+          </a:xfrm>
+          <a:prstGeom prst="straightConnector1">
+            <a:avLst/>
+          </a:prstGeom>
+          <a:ln w="12700">
+            <a:solidFill>
+              <a:schemeClr val="tx1"/>
+            </a:solidFill>
+            <a:tailEnd type="triangle"/>
+          </a:ln>
+        </p:spPr>
+        <p:style>
+          <a:lnRef idx="1">
+            <a:schemeClr val="accent1"/>
+          </a:lnRef>
+          <a:fillRef idx="0">
+            <a:schemeClr val="accent1"/>
+          </a:fillRef>
+          <a:effectRef idx="0">
+            <a:schemeClr val="accent1"/>
+          </a:effectRef>
+          <a:fontRef idx="minor">
+            <a:schemeClr val="tx1"/>
+          </a:fontRef>
+        </p:style>
+      </p:cxnSp>
+      <p:cxnSp>
+        <p:nvCxnSpPr>
+          <p:cNvPr id="22" name="Straight Arrow Connector 21">
+            <a:extLst>
+              <a:ext uri="{FF2B5EF4-FFF2-40B4-BE49-F238E27FC236}">
+                <a16:creationId xmlns:a16="http://schemas.microsoft.com/office/drawing/2014/main" id="{9CB42993-DE2C-33D6-FB92-3599CDE1512B}"/>
+              </a:ext>
+            </a:extLst>
+          </p:cNvPr>
+          <p:cNvCxnSpPr>
+            <a:cxnSpLocks/>
+          </p:cNvCxnSpPr>
+          <p:nvPr/>
+        </p:nvCxnSpPr>
+        <p:spPr>
+          <a:xfrm>
+            <a:off x="3864843" y="2107324"/>
+            <a:ext cx="1440000" cy="0"/>
+          </a:xfrm>
+          <a:prstGeom prst="straightConnector1">
+            <a:avLst/>
+          </a:prstGeom>
+          <a:ln w="12700">
+            <a:solidFill>
+              <a:schemeClr val="tx1"/>
+            </a:solidFill>
+            <a:tailEnd type="triangle"/>
+          </a:ln>
+        </p:spPr>
+        <p:style>
+          <a:lnRef idx="1">
+            <a:schemeClr val="accent1"/>
+          </a:lnRef>
+          <a:fillRef idx="0">
+            <a:schemeClr val="accent1"/>
+          </a:fillRef>
+          <a:effectRef idx="0">
+            <a:schemeClr val="accent1"/>
+          </a:effectRef>
+          <a:fontRef idx="minor">
+            <a:schemeClr val="tx1"/>
+          </a:fontRef>
+        </p:style>
+      </p:cxnSp>
+      <p:cxnSp>
+        <p:nvCxnSpPr>
+          <p:cNvPr id="23" name="Straight Arrow Connector 22">
+            <a:extLst>
+              <a:ext uri="{FF2B5EF4-FFF2-40B4-BE49-F238E27FC236}">
+                <a16:creationId xmlns:a16="http://schemas.microsoft.com/office/drawing/2014/main" id="{14C54AAD-52ED-090D-7342-9D17F5930C17}"/>
+              </a:ext>
+            </a:extLst>
+          </p:cNvPr>
+          <p:cNvCxnSpPr>
+            <a:cxnSpLocks/>
+          </p:cNvCxnSpPr>
+          <p:nvPr/>
+        </p:nvCxnSpPr>
+        <p:spPr>
+          <a:xfrm>
+            <a:off x="3864843" y="2522483"/>
+            <a:ext cx="1440000" cy="394138"/>
+          </a:xfrm>
+          <a:prstGeom prst="straightConnector1">
+            <a:avLst/>
+          </a:prstGeom>
+          <a:ln w="12700">
+            <a:solidFill>
+              <a:schemeClr val="tx1"/>
+            </a:solidFill>
+            <a:tailEnd type="triangle"/>
+          </a:ln>
+        </p:spPr>
+        <p:style>
+          <a:lnRef idx="1">
+            <a:schemeClr val="accent1"/>
+          </a:lnRef>
+          <a:fillRef idx="0">
+            <a:schemeClr val="accent1"/>
+          </a:fillRef>
+          <a:effectRef idx="0">
+            <a:schemeClr val="accent1"/>
+          </a:effectRef>
+          <a:fontRef idx="minor">
+            <a:schemeClr val="tx1"/>
+          </a:fontRef>
+        </p:style>
+      </p:cxnSp>
+      <p:sp>
+        <p:nvSpPr>
+          <p:cNvPr id="25" name="TextBox 24">
+            <a:extLst>
+              <a:ext uri="{FF2B5EF4-FFF2-40B4-BE49-F238E27FC236}">
+                <a16:creationId xmlns:a16="http://schemas.microsoft.com/office/drawing/2014/main" id="{1C7E4B7E-12B6-C6CC-0A6A-4B46DF3D322E}"/>
+              </a:ext>
+            </a:extLst>
+          </p:cNvPr>
+          <p:cNvSpPr txBox="1"/>
+          <p:nvPr/>
+        </p:nvSpPr>
+        <p:spPr>
+          <a:xfrm>
+            <a:off x="3723068" y="3441545"/>
+            <a:ext cx="1723549" cy="400110"/>
+          </a:xfrm>
+          <a:prstGeom prst="rect">
+            <a:avLst/>
+          </a:prstGeom>
+          <a:noFill/>
+        </p:spPr>
+        <p:txBody>
+          <a:bodyPr wrap="none" rtlCol="0">
+            <a:spAutoFit/>
+          </a:bodyPr>
+          <a:lstStyle/>
+          <a:p>
+            <a:r>
+              <a:rPr lang="en-CN" sz="2000" dirty="0" err="1">
+                <a:latin typeface="Kaiti SC" panose="02010600040101010101" pitchFamily="2" charset="-122"/>
+                <a:ea typeface="Kaiti SC" panose="02010600040101010101" pitchFamily="2" charset="-122"/>
+              </a:rPr>
+              <a:t>单射但非满射</a:t>
+            </a:r>
+            <a:endParaRPr lang="en-CN" sz="2000" dirty="0">
+              <a:latin typeface="Kaiti SC" panose="02010600040101010101" pitchFamily="2" charset="-122"/>
+              <a:ea typeface="Kaiti SC" panose="02010600040101010101" pitchFamily="2" charset="-122"/>
+            </a:endParaRPr>
+          </a:p>
+        </p:txBody>
+      </p:sp>
+      <p:sp>
+        <p:nvSpPr>
+          <p:cNvPr id="26" name="Rectangle 25">
+            <a:extLst>
+              <a:ext uri="{FF2B5EF4-FFF2-40B4-BE49-F238E27FC236}">
+                <a16:creationId xmlns:a16="http://schemas.microsoft.com/office/drawing/2014/main" id="{A796D4A3-023B-85E5-C7C6-D042D76C7F12}"/>
+              </a:ext>
+            </a:extLst>
+          </p:cNvPr>
+          <p:cNvSpPr/>
+          <p:nvPr/>
+        </p:nvSpPr>
+        <p:spPr>
+          <a:xfrm>
+            <a:off x="198121" y="757324"/>
+            <a:ext cx="2700000" cy="2700000"/>
+          </a:xfrm>
+          <a:prstGeom prst="rect">
+            <a:avLst/>
+          </a:prstGeom>
+          <a:noFill/>
+          <a:ln w="6350">
+            <a:solidFill>
+              <a:schemeClr val="tx1"/>
+            </a:solidFill>
+          </a:ln>
+        </p:spPr>
+        <p:style>
+          <a:lnRef idx="2">
+            <a:schemeClr val="accent6"/>
+          </a:lnRef>
+          <a:fillRef idx="1">
+            <a:schemeClr val="lt1"/>
+          </a:fillRef>
+          <a:effectRef idx="0">
+            <a:schemeClr val="accent6"/>
+          </a:effectRef>
+          <a:fontRef idx="minor">
+            <a:schemeClr val="dk1"/>
+          </a:fontRef>
+        </p:style>
+        <p:txBody>
+          <a:bodyPr rtlCol="0" anchor="ctr"/>
+          <a:lstStyle/>
+          <a:p>
+            <a:pPr algn="ctr"/>
+            <a:endParaRPr lang="en-CN"/>
+          </a:p>
+        </p:txBody>
+      </p:sp>
+      <p:sp>
+        <p:nvSpPr>
+          <p:cNvPr id="27" name="Rectangle 26">
+            <a:extLst>
+              <a:ext uri="{FF2B5EF4-FFF2-40B4-BE49-F238E27FC236}">
+                <a16:creationId xmlns:a16="http://schemas.microsoft.com/office/drawing/2014/main" id="{607B53B3-F02B-D0E9-2983-37755092827F}"/>
+              </a:ext>
+            </a:extLst>
+          </p:cNvPr>
+          <p:cNvSpPr/>
+          <p:nvPr/>
+        </p:nvSpPr>
+        <p:spPr>
+          <a:xfrm>
+            <a:off x="3234843" y="750081"/>
+            <a:ext cx="2700000" cy="2700000"/>
+          </a:xfrm>
+          <a:prstGeom prst="rect">
+            <a:avLst/>
+          </a:prstGeom>
+          <a:noFill/>
+          <a:ln w="6350">
+            <a:solidFill>
+              <a:schemeClr val="tx1"/>
+            </a:solidFill>
+          </a:ln>
+        </p:spPr>
+        <p:style>
+          <a:lnRef idx="2">
+            <a:schemeClr val="accent6"/>
+          </a:lnRef>
+          <a:fillRef idx="1">
+            <a:schemeClr val="lt1"/>
+          </a:fillRef>
+          <a:effectRef idx="0">
+            <a:schemeClr val="accent6"/>
+          </a:effectRef>
+          <a:fontRef idx="minor">
+            <a:schemeClr val="dk1"/>
+          </a:fontRef>
+        </p:style>
+        <p:txBody>
+          <a:bodyPr rtlCol="0" anchor="ctr"/>
+          <a:lstStyle/>
+          <a:p>
+            <a:pPr algn="ctr"/>
+            <a:endParaRPr lang="en-CN"/>
+          </a:p>
+        </p:txBody>
+      </p:sp>
+      <p:sp>
+        <p:nvSpPr>
+          <p:cNvPr id="29" name="Oval 28">
+            <a:extLst>
+              <a:ext uri="{FF2B5EF4-FFF2-40B4-BE49-F238E27FC236}">
+                <a16:creationId xmlns:a16="http://schemas.microsoft.com/office/drawing/2014/main" id="{BD11B9BA-9E91-3177-B08C-B8552BDF1807}"/>
+              </a:ext>
+            </a:extLst>
+          </p:cNvPr>
+          <p:cNvSpPr/>
+          <p:nvPr/>
+        </p:nvSpPr>
+        <p:spPr>
+          <a:xfrm>
+            <a:off x="6418277" y="1166647"/>
+            <a:ext cx="720000" cy="2160000"/>
+          </a:xfrm>
+          <a:prstGeom prst="ellipse">
+            <a:avLst/>
+          </a:prstGeom>
+          <a:ln w="19050">
+            <a:solidFill>
+              <a:schemeClr val="accent1"/>
+            </a:solidFill>
+          </a:ln>
+        </p:spPr>
+        <p:style>
+          <a:lnRef idx="2">
+            <a:schemeClr val="accent6"/>
+          </a:lnRef>
+          <a:fillRef idx="1">
+            <a:schemeClr val="lt1"/>
+          </a:fillRef>
+          <a:effectRef idx="0">
+            <a:schemeClr val="accent6"/>
+          </a:effectRef>
+          <a:fontRef idx="minor">
+            <a:schemeClr val="dk1"/>
+          </a:fontRef>
+        </p:style>
+        <p:txBody>
+          <a:bodyPr rtlCol="0" anchor="ctr"/>
+          <a:lstStyle/>
+          <a:p>
+            <a:pPr algn="ctr">
+              <a:lnSpc>
+                <a:spcPct val="150000"/>
+              </a:lnSpc>
+            </a:pPr>
+            <a:r>
+              <a:rPr lang="en-US" altLang="zh-CN" dirty="0">
+                <a:latin typeface="Times New Roman" panose="02020603050405020304" pitchFamily="18" charset="0"/>
+                <a:cs typeface="Times New Roman" panose="02020603050405020304" pitchFamily="18" charset="0"/>
+              </a:rPr>
+              <a:t>1</a:t>
+            </a:r>
+          </a:p>
+          <a:p>
+            <a:pPr algn="ctr">
+              <a:lnSpc>
+                <a:spcPct val="150000"/>
+              </a:lnSpc>
+            </a:pPr>
+            <a:r>
+              <a:rPr lang="en-US" altLang="zh-CN" dirty="0">
+                <a:latin typeface="Times New Roman" panose="02020603050405020304" pitchFamily="18" charset="0"/>
+                <a:cs typeface="Times New Roman" panose="02020603050405020304" pitchFamily="18" charset="0"/>
+              </a:rPr>
+              <a:t>2</a:t>
+            </a:r>
+          </a:p>
+          <a:p>
+            <a:pPr algn="ctr">
+              <a:lnSpc>
+                <a:spcPct val="150000"/>
+              </a:lnSpc>
+            </a:pPr>
+            <a:r>
+              <a:rPr lang="en-US" altLang="zh-CN" dirty="0">
+                <a:latin typeface="Times New Roman" panose="02020603050405020304" pitchFamily="18" charset="0"/>
+                <a:cs typeface="Times New Roman" panose="02020603050405020304" pitchFamily="18" charset="0"/>
+              </a:rPr>
+              <a:t>3</a:t>
+            </a:r>
+          </a:p>
+          <a:p>
+            <a:pPr algn="ctr">
+              <a:lnSpc>
+                <a:spcPct val="150000"/>
+              </a:lnSpc>
+            </a:pPr>
+            <a:r>
+              <a:rPr lang="en-US" altLang="zh-CN" dirty="0">
+                <a:latin typeface="Times New Roman" panose="02020603050405020304" pitchFamily="18" charset="0"/>
+                <a:cs typeface="Times New Roman" panose="02020603050405020304" pitchFamily="18" charset="0"/>
+              </a:rPr>
+              <a:t>4</a:t>
+            </a:r>
+            <a:endParaRPr lang="en-CN" dirty="0">
+              <a:latin typeface="Times New Roman" panose="02020603050405020304" pitchFamily="18" charset="0"/>
+              <a:cs typeface="Times New Roman" panose="02020603050405020304" pitchFamily="18" charset="0"/>
+            </a:endParaRPr>
+          </a:p>
+        </p:txBody>
+      </p:sp>
+      <p:sp>
+        <p:nvSpPr>
+          <p:cNvPr id="30" name="Oval 29">
+            <a:extLst>
+              <a:ext uri="{FF2B5EF4-FFF2-40B4-BE49-F238E27FC236}">
+                <a16:creationId xmlns:a16="http://schemas.microsoft.com/office/drawing/2014/main" id="{E732A007-4994-9FD1-3B99-C3CD31C3C23C}"/>
+              </a:ext>
+            </a:extLst>
+          </p:cNvPr>
+          <p:cNvSpPr/>
+          <p:nvPr/>
+        </p:nvSpPr>
+        <p:spPr>
+          <a:xfrm>
+            <a:off x="8063146" y="1166647"/>
+            <a:ext cx="720000" cy="2160000"/>
+          </a:xfrm>
+          <a:prstGeom prst="ellipse">
+            <a:avLst/>
+          </a:prstGeom>
+          <a:ln w="19050">
+            <a:solidFill>
+              <a:schemeClr val="accent1"/>
+            </a:solidFill>
+          </a:ln>
+        </p:spPr>
+        <p:style>
+          <a:lnRef idx="2">
+            <a:schemeClr val="accent6"/>
+          </a:lnRef>
+          <a:fillRef idx="1">
+            <a:schemeClr val="lt1"/>
+          </a:fillRef>
+          <a:effectRef idx="0">
+            <a:schemeClr val="accent6"/>
+          </a:effectRef>
+          <a:fontRef idx="minor">
+            <a:schemeClr val="dk1"/>
+          </a:fontRef>
+        </p:style>
+        <p:txBody>
+          <a:bodyPr rtlCol="0" anchor="ctr"/>
+          <a:lstStyle/>
+          <a:p>
+            <a:pPr algn="ctr">
+              <a:lnSpc>
+                <a:spcPct val="150000"/>
+              </a:lnSpc>
+            </a:pPr>
+            <a:r>
+              <a:rPr lang="en-US" altLang="zh-CN" dirty="0">
+                <a:latin typeface="Times New Roman" panose="02020603050405020304" pitchFamily="18" charset="0"/>
+                <a:cs typeface="Times New Roman" panose="02020603050405020304" pitchFamily="18" charset="0"/>
+              </a:rPr>
+              <a:t>a</a:t>
+            </a:r>
+          </a:p>
+          <a:p>
+            <a:pPr algn="ctr">
+              <a:lnSpc>
+                <a:spcPct val="150000"/>
+              </a:lnSpc>
+            </a:pPr>
+            <a:r>
+              <a:rPr lang="en-US" altLang="zh-CN" dirty="0">
+                <a:latin typeface="Times New Roman" panose="02020603050405020304" pitchFamily="18" charset="0"/>
+                <a:cs typeface="Times New Roman" panose="02020603050405020304" pitchFamily="18" charset="0"/>
+              </a:rPr>
+              <a:t>b</a:t>
+            </a:r>
+          </a:p>
+          <a:p>
+            <a:pPr algn="ctr">
+              <a:lnSpc>
+                <a:spcPct val="150000"/>
+              </a:lnSpc>
+            </a:pPr>
+            <a:r>
+              <a:rPr lang="en-US" altLang="zh-CN" dirty="0">
+                <a:latin typeface="Times New Roman" panose="02020603050405020304" pitchFamily="18" charset="0"/>
+                <a:cs typeface="Times New Roman" panose="02020603050405020304" pitchFamily="18" charset="0"/>
+              </a:rPr>
+              <a:t>c</a:t>
+            </a:r>
+          </a:p>
+          <a:p>
+            <a:pPr algn="ctr">
+              <a:lnSpc>
+                <a:spcPct val="150000"/>
+              </a:lnSpc>
+            </a:pPr>
+            <a:endParaRPr lang="en-CN" dirty="0">
+              <a:latin typeface="Times New Roman" panose="02020603050405020304" pitchFamily="18" charset="0"/>
+              <a:cs typeface="Times New Roman" panose="02020603050405020304" pitchFamily="18" charset="0"/>
+            </a:endParaRPr>
+          </a:p>
+        </p:txBody>
+      </p:sp>
+      <p:sp>
+        <p:nvSpPr>
+          <p:cNvPr id="31" name="TextBox 30">
+            <a:extLst>
+              <a:ext uri="{FF2B5EF4-FFF2-40B4-BE49-F238E27FC236}">
+                <a16:creationId xmlns:a16="http://schemas.microsoft.com/office/drawing/2014/main" id="{FDC0C43E-82A2-A440-DF4B-48169F376619}"/>
+              </a:ext>
+            </a:extLst>
+          </p:cNvPr>
+          <p:cNvSpPr txBox="1"/>
+          <p:nvPr/>
+        </p:nvSpPr>
+        <p:spPr>
+          <a:xfrm>
+            <a:off x="6592970" y="766537"/>
+            <a:ext cx="370614" cy="400110"/>
+          </a:xfrm>
+          <a:prstGeom prst="rect">
+            <a:avLst/>
+          </a:prstGeom>
+          <a:noFill/>
+        </p:spPr>
+        <p:txBody>
+          <a:bodyPr wrap="none" rtlCol="0">
+            <a:spAutoFit/>
+          </a:bodyPr>
+          <a:lstStyle/>
+          <a:p>
+            <a:r>
+              <a:rPr lang="en-US" altLang="zh-CN" sz="2000" dirty="0">
+                <a:latin typeface="Times New Roman" panose="02020603050405020304" pitchFamily="18" charset="0"/>
+                <a:cs typeface="Times New Roman" panose="02020603050405020304" pitchFamily="18" charset="0"/>
+              </a:rPr>
+              <a:t>X</a:t>
+            </a:r>
+            <a:endParaRPr lang="en-CN" sz="2000" dirty="0">
+              <a:latin typeface="Times New Roman" panose="02020603050405020304" pitchFamily="18" charset="0"/>
+              <a:cs typeface="Times New Roman" panose="02020603050405020304" pitchFamily="18" charset="0"/>
+            </a:endParaRPr>
+          </a:p>
+        </p:txBody>
+      </p:sp>
+      <p:sp>
+        <p:nvSpPr>
+          <p:cNvPr id="32" name="TextBox 31">
+            <a:extLst>
+              <a:ext uri="{FF2B5EF4-FFF2-40B4-BE49-F238E27FC236}">
+                <a16:creationId xmlns:a16="http://schemas.microsoft.com/office/drawing/2014/main" id="{0422A993-58A6-6EE7-7B0A-647DCD615306}"/>
+              </a:ext>
+            </a:extLst>
+          </p:cNvPr>
+          <p:cNvSpPr txBox="1"/>
+          <p:nvPr/>
+        </p:nvSpPr>
+        <p:spPr>
+          <a:xfrm>
+            <a:off x="8237839" y="766537"/>
+            <a:ext cx="370614" cy="400110"/>
+          </a:xfrm>
+          <a:prstGeom prst="rect">
+            <a:avLst/>
+          </a:prstGeom>
+          <a:noFill/>
+        </p:spPr>
+        <p:txBody>
+          <a:bodyPr wrap="none" rtlCol="0">
+            <a:spAutoFit/>
+          </a:bodyPr>
+          <a:lstStyle/>
+          <a:p>
+            <a:r>
+              <a:rPr lang="en-US" altLang="zh-CN" sz="2000" dirty="0">
+                <a:latin typeface="Times New Roman" panose="02020603050405020304" pitchFamily="18" charset="0"/>
+                <a:cs typeface="Times New Roman" panose="02020603050405020304" pitchFamily="18" charset="0"/>
+              </a:rPr>
+              <a:t>Y</a:t>
+            </a:r>
+            <a:endParaRPr lang="en-CN" sz="2000" dirty="0">
+              <a:latin typeface="Times New Roman" panose="02020603050405020304" pitchFamily="18" charset="0"/>
+              <a:cs typeface="Times New Roman" panose="02020603050405020304" pitchFamily="18" charset="0"/>
+            </a:endParaRPr>
+          </a:p>
+        </p:txBody>
+      </p:sp>
+      <p:cxnSp>
+        <p:nvCxnSpPr>
+          <p:cNvPr id="33" name="Straight Arrow Connector 32">
+            <a:extLst>
+              <a:ext uri="{FF2B5EF4-FFF2-40B4-BE49-F238E27FC236}">
+                <a16:creationId xmlns:a16="http://schemas.microsoft.com/office/drawing/2014/main" id="{FAB3551C-09BA-0E71-4437-A22A5105219C}"/>
+              </a:ext>
+            </a:extLst>
+          </p:cNvPr>
+          <p:cNvCxnSpPr>
+            <a:cxnSpLocks/>
+          </p:cNvCxnSpPr>
+          <p:nvPr/>
+        </p:nvCxnSpPr>
+        <p:spPr>
+          <a:xfrm>
+            <a:off x="6859712" y="1681655"/>
+            <a:ext cx="1440000" cy="0"/>
+          </a:xfrm>
+          <a:prstGeom prst="straightConnector1">
+            <a:avLst/>
+          </a:prstGeom>
+          <a:ln w="12700">
+            <a:solidFill>
+              <a:schemeClr val="tx1"/>
+            </a:solidFill>
+            <a:tailEnd type="triangle"/>
+          </a:ln>
+        </p:spPr>
+        <p:style>
+          <a:lnRef idx="1">
+            <a:schemeClr val="accent1"/>
+          </a:lnRef>
+          <a:fillRef idx="0">
+            <a:schemeClr val="accent1"/>
+          </a:fillRef>
+          <a:effectRef idx="0">
+            <a:schemeClr val="accent1"/>
+          </a:effectRef>
+          <a:fontRef idx="minor">
+            <a:schemeClr val="tx1"/>
+          </a:fontRef>
+        </p:style>
+      </p:cxnSp>
+      <p:cxnSp>
+        <p:nvCxnSpPr>
+          <p:cNvPr id="34" name="Straight Arrow Connector 33">
+            <a:extLst>
+              <a:ext uri="{FF2B5EF4-FFF2-40B4-BE49-F238E27FC236}">
+                <a16:creationId xmlns:a16="http://schemas.microsoft.com/office/drawing/2014/main" id="{CAA01359-D3F7-81B1-C00F-15324388CC7A}"/>
+              </a:ext>
+            </a:extLst>
+          </p:cNvPr>
+          <p:cNvCxnSpPr>
+            <a:cxnSpLocks/>
+          </p:cNvCxnSpPr>
+          <p:nvPr/>
+        </p:nvCxnSpPr>
+        <p:spPr>
+          <a:xfrm>
+            <a:off x="6859712" y="2107324"/>
+            <a:ext cx="1467286" cy="0"/>
+          </a:xfrm>
+          <a:prstGeom prst="straightConnector1">
+            <a:avLst/>
+          </a:prstGeom>
+          <a:ln w="12700">
+            <a:solidFill>
+              <a:schemeClr val="tx1"/>
+            </a:solidFill>
+            <a:tailEnd type="triangle"/>
+          </a:ln>
+        </p:spPr>
+        <p:style>
+          <a:lnRef idx="1">
+            <a:schemeClr val="accent1"/>
+          </a:lnRef>
+          <a:fillRef idx="0">
+            <a:schemeClr val="accent1"/>
+          </a:fillRef>
+          <a:effectRef idx="0">
+            <a:schemeClr val="accent1"/>
+          </a:effectRef>
+          <a:fontRef idx="minor">
+            <a:schemeClr val="tx1"/>
+          </a:fontRef>
+        </p:style>
+      </p:cxnSp>
+      <p:cxnSp>
+        <p:nvCxnSpPr>
+          <p:cNvPr id="35" name="Straight Arrow Connector 34">
+            <a:extLst>
+              <a:ext uri="{FF2B5EF4-FFF2-40B4-BE49-F238E27FC236}">
+                <a16:creationId xmlns:a16="http://schemas.microsoft.com/office/drawing/2014/main" id="{F7F6CA1B-1C49-0669-33C9-2E7BB9E178AE}"/>
+              </a:ext>
+            </a:extLst>
+          </p:cNvPr>
+          <p:cNvCxnSpPr>
+            <a:cxnSpLocks/>
+          </p:cNvCxnSpPr>
+          <p:nvPr/>
+        </p:nvCxnSpPr>
+        <p:spPr>
+          <a:xfrm>
+            <a:off x="6859712" y="2522483"/>
+            <a:ext cx="1440000" cy="0"/>
+          </a:xfrm>
+          <a:prstGeom prst="straightConnector1">
+            <a:avLst/>
+          </a:prstGeom>
+          <a:ln w="12700">
+            <a:solidFill>
+              <a:schemeClr val="tx1"/>
+            </a:solidFill>
+            <a:tailEnd type="triangle"/>
+          </a:ln>
+        </p:spPr>
+        <p:style>
+          <a:lnRef idx="1">
+            <a:schemeClr val="accent1"/>
+          </a:lnRef>
+          <a:fillRef idx="0">
+            <a:schemeClr val="accent1"/>
+          </a:fillRef>
+          <a:effectRef idx="0">
+            <a:schemeClr val="accent1"/>
+          </a:effectRef>
+          <a:fontRef idx="minor">
+            <a:schemeClr val="tx1"/>
+          </a:fontRef>
+        </p:style>
+      </p:cxnSp>
+      <p:cxnSp>
+        <p:nvCxnSpPr>
+          <p:cNvPr id="36" name="Straight Arrow Connector 35">
+            <a:extLst>
+              <a:ext uri="{FF2B5EF4-FFF2-40B4-BE49-F238E27FC236}">
+                <a16:creationId xmlns:a16="http://schemas.microsoft.com/office/drawing/2014/main" id="{29679296-2707-9D4A-446B-F91FBAE9B777}"/>
+              </a:ext>
+            </a:extLst>
+          </p:cNvPr>
+          <p:cNvCxnSpPr>
+            <a:cxnSpLocks/>
+          </p:cNvCxnSpPr>
+          <p:nvPr/>
+        </p:nvCxnSpPr>
+        <p:spPr>
+          <a:xfrm flipV="1">
+            <a:off x="6859712" y="2606566"/>
+            <a:ext cx="1467286" cy="310055"/>
+          </a:xfrm>
+          <a:prstGeom prst="straightConnector1">
+            <a:avLst/>
+          </a:prstGeom>
+          <a:ln w="12700">
+            <a:solidFill>
+              <a:schemeClr val="tx1"/>
+            </a:solidFill>
+            <a:tailEnd type="triangle"/>
+          </a:ln>
+        </p:spPr>
+        <p:style>
+          <a:lnRef idx="1">
+            <a:schemeClr val="accent1"/>
+          </a:lnRef>
+          <a:fillRef idx="0">
+            <a:schemeClr val="accent1"/>
+          </a:fillRef>
+          <a:effectRef idx="0">
+            <a:schemeClr val="accent1"/>
+          </a:effectRef>
+          <a:fontRef idx="minor">
+            <a:schemeClr val="tx1"/>
+          </a:fontRef>
+        </p:style>
+      </p:cxnSp>
+      <p:sp>
+        <p:nvSpPr>
+          <p:cNvPr id="37" name="TextBox 36">
+            <a:extLst>
+              <a:ext uri="{FF2B5EF4-FFF2-40B4-BE49-F238E27FC236}">
+                <a16:creationId xmlns:a16="http://schemas.microsoft.com/office/drawing/2014/main" id="{98DF02A7-1B09-7E4A-991C-698FAC886AF9}"/>
+              </a:ext>
+            </a:extLst>
+          </p:cNvPr>
+          <p:cNvSpPr txBox="1"/>
+          <p:nvPr/>
+        </p:nvSpPr>
+        <p:spPr>
+          <a:xfrm>
+            <a:off x="6717937" y="3441545"/>
+            <a:ext cx="1723549" cy="400110"/>
+          </a:xfrm>
+          <a:prstGeom prst="rect">
+            <a:avLst/>
+          </a:prstGeom>
+          <a:noFill/>
+        </p:spPr>
+        <p:txBody>
+          <a:bodyPr wrap="none" rtlCol="0">
+            <a:spAutoFit/>
+          </a:bodyPr>
+          <a:lstStyle/>
+          <a:p>
+            <a:r>
+              <a:rPr lang="en-CN" sz="2000" dirty="0" err="1">
+                <a:latin typeface="Kaiti SC" panose="02010600040101010101" pitchFamily="2" charset="-122"/>
+                <a:ea typeface="Kaiti SC" panose="02010600040101010101" pitchFamily="2" charset="-122"/>
+              </a:rPr>
+              <a:t>满射但非单射</a:t>
+            </a:r>
+            <a:endParaRPr lang="en-CN" sz="2000" dirty="0">
+              <a:latin typeface="Kaiti SC" panose="02010600040101010101" pitchFamily="2" charset="-122"/>
+              <a:ea typeface="Kaiti SC" panose="02010600040101010101" pitchFamily="2" charset="-122"/>
+            </a:endParaRPr>
+          </a:p>
+        </p:txBody>
+      </p:sp>
+      <p:sp>
+        <p:nvSpPr>
+          <p:cNvPr id="38" name="Rectangle 37">
+            <a:extLst>
+              <a:ext uri="{FF2B5EF4-FFF2-40B4-BE49-F238E27FC236}">
+                <a16:creationId xmlns:a16="http://schemas.microsoft.com/office/drawing/2014/main" id="{FB3EE613-2B7A-168E-9BBA-EA53D6F5A052}"/>
+              </a:ext>
+            </a:extLst>
+          </p:cNvPr>
+          <p:cNvSpPr/>
+          <p:nvPr/>
+        </p:nvSpPr>
+        <p:spPr>
+          <a:xfrm>
+            <a:off x="6259047" y="757324"/>
+            <a:ext cx="2700000" cy="2700000"/>
+          </a:xfrm>
+          <a:prstGeom prst="rect">
+            <a:avLst/>
+          </a:prstGeom>
+          <a:noFill/>
+          <a:ln w="6350">
+            <a:solidFill>
+              <a:schemeClr val="tx1"/>
+            </a:solidFill>
+          </a:ln>
+        </p:spPr>
+        <p:style>
+          <a:lnRef idx="2">
+            <a:schemeClr val="accent6"/>
+          </a:lnRef>
+          <a:fillRef idx="1">
+            <a:schemeClr val="lt1"/>
+          </a:fillRef>
+          <a:effectRef idx="0">
+            <a:schemeClr val="accent6"/>
+          </a:effectRef>
+          <a:fontRef idx="minor">
+            <a:schemeClr val="dk1"/>
+          </a:fontRef>
+        </p:style>
+        <p:txBody>
+          <a:bodyPr rtlCol="0" anchor="ctr"/>
+          <a:lstStyle/>
+          <a:p>
+            <a:pPr algn="ctr"/>
+            <a:endParaRPr lang="en-CN"/>
+          </a:p>
+        </p:txBody>
+      </p:sp>
+      <p:sp>
+        <p:nvSpPr>
+          <p:cNvPr id="42" name="Oval 41">
+            <a:extLst>
+              <a:ext uri="{FF2B5EF4-FFF2-40B4-BE49-F238E27FC236}">
+                <a16:creationId xmlns:a16="http://schemas.microsoft.com/office/drawing/2014/main" id="{1E8282F2-A055-E52B-D6A9-FA8022991850}"/>
+              </a:ext>
+            </a:extLst>
+          </p:cNvPr>
+          <p:cNvSpPr/>
+          <p:nvPr/>
+        </p:nvSpPr>
+        <p:spPr>
+          <a:xfrm>
+            <a:off x="9452147" y="1166647"/>
+            <a:ext cx="720000" cy="2160000"/>
+          </a:xfrm>
+          <a:prstGeom prst="ellipse">
+            <a:avLst/>
+          </a:prstGeom>
+          <a:ln w="19050">
+            <a:solidFill>
+              <a:schemeClr val="accent1"/>
+            </a:solidFill>
+          </a:ln>
+        </p:spPr>
+        <p:style>
+          <a:lnRef idx="2">
+            <a:schemeClr val="accent6"/>
+          </a:lnRef>
+          <a:fillRef idx="1">
+            <a:schemeClr val="lt1"/>
+          </a:fillRef>
+          <a:effectRef idx="0">
+            <a:schemeClr val="accent6"/>
+          </a:effectRef>
+          <a:fontRef idx="minor">
+            <a:schemeClr val="dk1"/>
+          </a:fontRef>
+        </p:style>
+        <p:txBody>
+          <a:bodyPr rtlCol="0" anchor="ctr"/>
+          <a:lstStyle/>
+          <a:p>
+            <a:pPr algn="ctr">
+              <a:lnSpc>
+                <a:spcPct val="150000"/>
+              </a:lnSpc>
+            </a:pPr>
+            <a:r>
+              <a:rPr lang="en-US" altLang="zh-CN" dirty="0">
+                <a:latin typeface="Times New Roman" panose="02020603050405020304" pitchFamily="18" charset="0"/>
+                <a:cs typeface="Times New Roman" panose="02020603050405020304" pitchFamily="18" charset="0"/>
+              </a:rPr>
+              <a:t>1</a:t>
+            </a:r>
+          </a:p>
+          <a:p>
+            <a:pPr algn="ctr">
+              <a:lnSpc>
+                <a:spcPct val="150000"/>
+              </a:lnSpc>
+            </a:pPr>
+            <a:r>
+              <a:rPr lang="en-US" altLang="zh-CN" dirty="0">
+                <a:latin typeface="Times New Roman" panose="02020603050405020304" pitchFamily="18" charset="0"/>
+                <a:cs typeface="Times New Roman" panose="02020603050405020304" pitchFamily="18" charset="0"/>
+              </a:rPr>
+              <a:t>2</a:t>
+            </a:r>
+          </a:p>
+          <a:p>
+            <a:pPr algn="ctr">
+              <a:lnSpc>
+                <a:spcPct val="150000"/>
+              </a:lnSpc>
+            </a:pPr>
+            <a:r>
+              <a:rPr lang="en-US" altLang="zh-CN" dirty="0">
+                <a:latin typeface="Times New Roman" panose="02020603050405020304" pitchFamily="18" charset="0"/>
+                <a:cs typeface="Times New Roman" panose="02020603050405020304" pitchFamily="18" charset="0"/>
+              </a:rPr>
+              <a:t>3</a:t>
+            </a:r>
+          </a:p>
+          <a:p>
+            <a:pPr algn="ctr">
+              <a:lnSpc>
+                <a:spcPct val="150000"/>
+              </a:lnSpc>
+            </a:pPr>
+            <a:r>
+              <a:rPr lang="en-US" altLang="zh-CN" dirty="0">
+                <a:latin typeface="Times New Roman" panose="02020603050405020304" pitchFamily="18" charset="0"/>
+                <a:cs typeface="Times New Roman" panose="02020603050405020304" pitchFamily="18" charset="0"/>
+              </a:rPr>
+              <a:t>4</a:t>
+            </a:r>
+            <a:endParaRPr lang="en-CN" dirty="0">
+              <a:latin typeface="Times New Roman" panose="02020603050405020304" pitchFamily="18" charset="0"/>
+              <a:cs typeface="Times New Roman" panose="02020603050405020304" pitchFamily="18" charset="0"/>
+            </a:endParaRPr>
+          </a:p>
+        </p:txBody>
+      </p:sp>
+      <p:sp>
+        <p:nvSpPr>
+          <p:cNvPr id="43" name="Oval 42">
+            <a:extLst>
+              <a:ext uri="{FF2B5EF4-FFF2-40B4-BE49-F238E27FC236}">
+                <a16:creationId xmlns:a16="http://schemas.microsoft.com/office/drawing/2014/main" id="{9628090B-1505-1A60-EDC5-D5CEDBFA3C51}"/>
+              </a:ext>
+            </a:extLst>
+          </p:cNvPr>
+          <p:cNvSpPr/>
+          <p:nvPr/>
+        </p:nvSpPr>
+        <p:spPr>
+          <a:xfrm>
+            <a:off x="11097016" y="1166647"/>
+            <a:ext cx="720000" cy="2160000"/>
+          </a:xfrm>
+          <a:prstGeom prst="ellipse">
+            <a:avLst/>
+          </a:prstGeom>
+          <a:ln w="19050">
+            <a:solidFill>
+              <a:schemeClr val="accent1"/>
+            </a:solidFill>
+          </a:ln>
+        </p:spPr>
+        <p:style>
+          <a:lnRef idx="2">
+            <a:schemeClr val="accent6"/>
+          </a:lnRef>
+          <a:fillRef idx="1">
+            <a:schemeClr val="lt1"/>
+          </a:fillRef>
+          <a:effectRef idx="0">
+            <a:schemeClr val="accent6"/>
+          </a:effectRef>
+          <a:fontRef idx="minor">
+            <a:schemeClr val="dk1"/>
+          </a:fontRef>
+        </p:style>
+        <p:txBody>
+          <a:bodyPr rtlCol="0" anchor="ctr"/>
+          <a:lstStyle/>
+          <a:p>
+            <a:pPr algn="ctr">
+              <a:lnSpc>
+                <a:spcPct val="150000"/>
+              </a:lnSpc>
+            </a:pPr>
+            <a:r>
+              <a:rPr lang="en-US" altLang="zh-CN" dirty="0">
+                <a:latin typeface="Times New Roman" panose="02020603050405020304" pitchFamily="18" charset="0"/>
+                <a:cs typeface="Times New Roman" panose="02020603050405020304" pitchFamily="18" charset="0"/>
+              </a:rPr>
+              <a:t>a</a:t>
+            </a:r>
+          </a:p>
+          <a:p>
+            <a:pPr algn="ctr">
+              <a:lnSpc>
+                <a:spcPct val="150000"/>
+              </a:lnSpc>
+            </a:pPr>
+            <a:r>
+              <a:rPr lang="en-US" altLang="zh-CN" dirty="0">
+                <a:latin typeface="Times New Roman" panose="02020603050405020304" pitchFamily="18" charset="0"/>
+                <a:cs typeface="Times New Roman" panose="02020603050405020304" pitchFamily="18" charset="0"/>
+              </a:rPr>
+              <a:t>b</a:t>
+            </a:r>
+          </a:p>
+          <a:p>
+            <a:pPr algn="ctr">
+              <a:lnSpc>
+                <a:spcPct val="150000"/>
+              </a:lnSpc>
+            </a:pPr>
+            <a:r>
+              <a:rPr lang="en-US" altLang="zh-CN" dirty="0">
+                <a:latin typeface="Times New Roman" panose="02020603050405020304" pitchFamily="18" charset="0"/>
+                <a:cs typeface="Times New Roman" panose="02020603050405020304" pitchFamily="18" charset="0"/>
+              </a:rPr>
+              <a:t>c</a:t>
+            </a:r>
+          </a:p>
+          <a:p>
+            <a:pPr algn="ctr">
+              <a:lnSpc>
+                <a:spcPct val="150000"/>
+              </a:lnSpc>
+            </a:pPr>
+            <a:r>
+              <a:rPr lang="en-US" altLang="zh-CN" dirty="0">
+                <a:latin typeface="Times New Roman" panose="02020603050405020304" pitchFamily="18" charset="0"/>
+                <a:cs typeface="Times New Roman" panose="02020603050405020304" pitchFamily="18" charset="0"/>
+              </a:rPr>
+              <a:t>d</a:t>
+            </a:r>
+            <a:endParaRPr lang="en-CN" dirty="0">
+              <a:latin typeface="Times New Roman" panose="02020603050405020304" pitchFamily="18" charset="0"/>
+              <a:cs typeface="Times New Roman" panose="02020603050405020304" pitchFamily="18" charset="0"/>
+            </a:endParaRPr>
+          </a:p>
+        </p:txBody>
+      </p:sp>
+      <p:sp>
+        <p:nvSpPr>
+          <p:cNvPr id="44" name="TextBox 43">
+            <a:extLst>
+              <a:ext uri="{FF2B5EF4-FFF2-40B4-BE49-F238E27FC236}">
+                <a16:creationId xmlns:a16="http://schemas.microsoft.com/office/drawing/2014/main" id="{6F4F99DF-753D-63F2-C655-64E1D0D00285}"/>
+              </a:ext>
+            </a:extLst>
+          </p:cNvPr>
+          <p:cNvSpPr txBox="1"/>
+          <p:nvPr/>
+        </p:nvSpPr>
+        <p:spPr>
+          <a:xfrm>
+            <a:off x="9626840" y="766537"/>
+            <a:ext cx="370614" cy="400110"/>
+          </a:xfrm>
+          <a:prstGeom prst="rect">
+            <a:avLst/>
+          </a:prstGeom>
+          <a:noFill/>
+        </p:spPr>
+        <p:txBody>
+          <a:bodyPr wrap="none" rtlCol="0">
+            <a:spAutoFit/>
+          </a:bodyPr>
+          <a:lstStyle/>
+          <a:p>
+            <a:r>
+              <a:rPr lang="en-US" altLang="zh-CN" sz="2000" dirty="0">
+                <a:latin typeface="Times New Roman" panose="02020603050405020304" pitchFamily="18" charset="0"/>
+                <a:cs typeface="Times New Roman" panose="02020603050405020304" pitchFamily="18" charset="0"/>
+              </a:rPr>
+              <a:t>X</a:t>
+            </a:r>
+            <a:endParaRPr lang="en-CN" sz="2000" dirty="0">
+              <a:latin typeface="Times New Roman" panose="02020603050405020304" pitchFamily="18" charset="0"/>
+              <a:cs typeface="Times New Roman" panose="02020603050405020304" pitchFamily="18" charset="0"/>
+            </a:endParaRPr>
+          </a:p>
+        </p:txBody>
+      </p:sp>
+      <p:sp>
+        <p:nvSpPr>
+          <p:cNvPr id="45" name="TextBox 44">
+            <a:extLst>
+              <a:ext uri="{FF2B5EF4-FFF2-40B4-BE49-F238E27FC236}">
+                <a16:creationId xmlns:a16="http://schemas.microsoft.com/office/drawing/2014/main" id="{8E807989-CEC3-52C7-9624-BE3076A974E1}"/>
+              </a:ext>
+            </a:extLst>
+          </p:cNvPr>
+          <p:cNvSpPr txBox="1"/>
+          <p:nvPr/>
+        </p:nvSpPr>
+        <p:spPr>
+          <a:xfrm>
+            <a:off x="11271709" y="766537"/>
+            <a:ext cx="370614" cy="400110"/>
+          </a:xfrm>
+          <a:prstGeom prst="rect">
+            <a:avLst/>
+          </a:prstGeom>
+          <a:noFill/>
+        </p:spPr>
+        <p:txBody>
+          <a:bodyPr wrap="none" rtlCol="0">
+            <a:spAutoFit/>
+          </a:bodyPr>
+          <a:lstStyle/>
+          <a:p>
+            <a:r>
+              <a:rPr lang="en-US" altLang="zh-CN" sz="2000" dirty="0">
+                <a:latin typeface="Times New Roman" panose="02020603050405020304" pitchFamily="18" charset="0"/>
+                <a:cs typeface="Times New Roman" panose="02020603050405020304" pitchFamily="18" charset="0"/>
+              </a:rPr>
+              <a:t>Y</a:t>
+            </a:r>
+            <a:endParaRPr lang="en-CN" sz="2000" dirty="0">
+              <a:latin typeface="Times New Roman" panose="02020603050405020304" pitchFamily="18" charset="0"/>
+              <a:cs typeface="Times New Roman" panose="02020603050405020304" pitchFamily="18" charset="0"/>
+            </a:endParaRPr>
+          </a:p>
+        </p:txBody>
+      </p:sp>
+      <p:cxnSp>
+        <p:nvCxnSpPr>
+          <p:cNvPr id="46" name="Straight Arrow Connector 45">
+            <a:extLst>
+              <a:ext uri="{FF2B5EF4-FFF2-40B4-BE49-F238E27FC236}">
+                <a16:creationId xmlns:a16="http://schemas.microsoft.com/office/drawing/2014/main" id="{2E50C2A0-55C7-ACFC-7C43-5CCFCCEF6203}"/>
+              </a:ext>
+            </a:extLst>
+          </p:cNvPr>
+          <p:cNvCxnSpPr>
+            <a:cxnSpLocks/>
+          </p:cNvCxnSpPr>
+          <p:nvPr/>
+        </p:nvCxnSpPr>
+        <p:spPr>
+          <a:xfrm>
+            <a:off x="9893582" y="1681655"/>
+            <a:ext cx="1440000" cy="0"/>
+          </a:xfrm>
+          <a:prstGeom prst="straightConnector1">
+            <a:avLst/>
+          </a:prstGeom>
+          <a:ln w="12700">
+            <a:solidFill>
+              <a:schemeClr val="tx1"/>
+            </a:solidFill>
+            <a:tailEnd type="triangle"/>
+          </a:ln>
+        </p:spPr>
+        <p:style>
+          <a:lnRef idx="1">
+            <a:schemeClr val="accent1"/>
+          </a:lnRef>
+          <a:fillRef idx="0">
+            <a:schemeClr val="accent1"/>
+          </a:fillRef>
+          <a:effectRef idx="0">
+            <a:schemeClr val="accent1"/>
+          </a:effectRef>
+          <a:fontRef idx="minor">
+            <a:schemeClr val="tx1"/>
+          </a:fontRef>
+        </p:style>
+      </p:cxnSp>
+      <p:cxnSp>
+        <p:nvCxnSpPr>
+          <p:cNvPr id="47" name="Straight Arrow Connector 46">
+            <a:extLst>
+              <a:ext uri="{FF2B5EF4-FFF2-40B4-BE49-F238E27FC236}">
+                <a16:creationId xmlns:a16="http://schemas.microsoft.com/office/drawing/2014/main" id="{341A33E8-1445-5699-C44D-DF9C0B27DF57}"/>
+              </a:ext>
+            </a:extLst>
+          </p:cNvPr>
+          <p:cNvCxnSpPr>
+            <a:cxnSpLocks/>
+          </p:cNvCxnSpPr>
+          <p:nvPr/>
+        </p:nvCxnSpPr>
+        <p:spPr>
+          <a:xfrm>
+            <a:off x="9893582" y="2107324"/>
+            <a:ext cx="1440000" cy="0"/>
+          </a:xfrm>
+          <a:prstGeom prst="straightConnector1">
+            <a:avLst/>
+          </a:prstGeom>
+          <a:ln w="12700">
+            <a:solidFill>
+              <a:schemeClr val="tx1"/>
+            </a:solidFill>
+            <a:tailEnd type="triangle"/>
+          </a:ln>
+        </p:spPr>
+        <p:style>
+          <a:lnRef idx="1">
+            <a:schemeClr val="accent1"/>
+          </a:lnRef>
+          <a:fillRef idx="0">
+            <a:schemeClr val="accent1"/>
+          </a:fillRef>
+          <a:effectRef idx="0">
+            <a:schemeClr val="accent1"/>
+          </a:effectRef>
+          <a:fontRef idx="minor">
+            <a:schemeClr val="tx1"/>
+          </a:fontRef>
+        </p:style>
+      </p:cxnSp>
+      <p:cxnSp>
+        <p:nvCxnSpPr>
+          <p:cNvPr id="48" name="Straight Arrow Connector 47">
+            <a:extLst>
+              <a:ext uri="{FF2B5EF4-FFF2-40B4-BE49-F238E27FC236}">
+                <a16:creationId xmlns:a16="http://schemas.microsoft.com/office/drawing/2014/main" id="{00D328F9-4A0B-3573-8E9D-DDAF8DD9E9FB}"/>
+              </a:ext>
+            </a:extLst>
+          </p:cNvPr>
+          <p:cNvCxnSpPr>
+            <a:cxnSpLocks/>
+          </p:cNvCxnSpPr>
+          <p:nvPr/>
+        </p:nvCxnSpPr>
+        <p:spPr>
+          <a:xfrm>
+            <a:off x="9893582" y="2522483"/>
+            <a:ext cx="1440000" cy="0"/>
+          </a:xfrm>
+          <a:prstGeom prst="straightConnector1">
+            <a:avLst/>
+          </a:prstGeom>
+          <a:ln w="12700">
+            <a:solidFill>
+              <a:schemeClr val="tx1"/>
+            </a:solidFill>
+            <a:tailEnd type="triangle"/>
+          </a:ln>
+        </p:spPr>
+        <p:style>
+          <a:lnRef idx="1">
+            <a:schemeClr val="accent1"/>
+          </a:lnRef>
+          <a:fillRef idx="0">
+            <a:schemeClr val="accent1"/>
+          </a:fillRef>
+          <a:effectRef idx="0">
+            <a:schemeClr val="accent1"/>
+          </a:effectRef>
+          <a:fontRef idx="minor">
+            <a:schemeClr val="tx1"/>
+          </a:fontRef>
+        </p:style>
+      </p:cxnSp>
+      <p:cxnSp>
+        <p:nvCxnSpPr>
+          <p:cNvPr id="49" name="Straight Arrow Connector 48">
+            <a:extLst>
+              <a:ext uri="{FF2B5EF4-FFF2-40B4-BE49-F238E27FC236}">
+                <a16:creationId xmlns:a16="http://schemas.microsoft.com/office/drawing/2014/main" id="{F67720A7-9DB6-8B3B-35FC-49CC3672A91C}"/>
+              </a:ext>
+            </a:extLst>
+          </p:cNvPr>
+          <p:cNvCxnSpPr>
+            <a:cxnSpLocks/>
+          </p:cNvCxnSpPr>
+          <p:nvPr/>
+        </p:nvCxnSpPr>
+        <p:spPr>
+          <a:xfrm flipV="1">
+            <a:off x="9893582" y="2606566"/>
+            <a:ext cx="1440000" cy="310055"/>
+          </a:xfrm>
+          <a:prstGeom prst="straightConnector1">
+            <a:avLst/>
+          </a:prstGeom>
+          <a:ln w="12700">
+            <a:solidFill>
+              <a:schemeClr val="tx1"/>
+            </a:solidFill>
+            <a:tailEnd type="triangle"/>
+          </a:ln>
+        </p:spPr>
+        <p:style>
+          <a:lnRef idx="1">
+            <a:schemeClr val="accent1"/>
+          </a:lnRef>
+          <a:fillRef idx="0">
+            <a:schemeClr val="accent1"/>
+          </a:fillRef>
+          <a:effectRef idx="0">
+            <a:schemeClr val="accent1"/>
+          </a:effectRef>
+          <a:fontRef idx="minor">
+            <a:schemeClr val="tx1"/>
+          </a:fontRef>
+        </p:style>
+      </p:cxnSp>
+      <p:sp>
+        <p:nvSpPr>
+          <p:cNvPr id="50" name="TextBox 49">
+            <a:extLst>
+              <a:ext uri="{FF2B5EF4-FFF2-40B4-BE49-F238E27FC236}">
+                <a16:creationId xmlns:a16="http://schemas.microsoft.com/office/drawing/2014/main" id="{F1105A8E-7AA7-A029-6A86-A0B7C3B05C42}"/>
+              </a:ext>
+            </a:extLst>
+          </p:cNvPr>
+          <p:cNvSpPr txBox="1"/>
+          <p:nvPr/>
+        </p:nvSpPr>
+        <p:spPr>
+          <a:xfrm>
+            <a:off x="9781142" y="3461986"/>
+            <a:ext cx="1723549" cy="400110"/>
+          </a:xfrm>
+          <a:prstGeom prst="rect">
+            <a:avLst/>
+          </a:prstGeom>
+          <a:noFill/>
+        </p:spPr>
+        <p:txBody>
+          <a:bodyPr wrap="none" rtlCol="0">
+            <a:spAutoFit/>
+          </a:bodyPr>
+          <a:lstStyle/>
+          <a:p>
+            <a:r>
+              <a:rPr lang="en-CN" sz="2000" dirty="0" err="1">
+                <a:latin typeface="Kaiti SC" panose="02010600040101010101" pitchFamily="2" charset="-122"/>
+                <a:ea typeface="Kaiti SC" panose="02010600040101010101" pitchFamily="2" charset="-122"/>
+              </a:rPr>
+              <a:t>非单射非满射</a:t>
+            </a:r>
+            <a:endParaRPr lang="en-CN" sz="2000" dirty="0">
+              <a:latin typeface="Kaiti SC" panose="02010600040101010101" pitchFamily="2" charset="-122"/>
+              <a:ea typeface="Kaiti SC" panose="02010600040101010101" pitchFamily="2" charset="-122"/>
+            </a:endParaRPr>
+          </a:p>
+        </p:txBody>
+      </p:sp>
+      <p:sp>
+        <p:nvSpPr>
+          <p:cNvPr id="51" name="Rectangle 50">
+            <a:extLst>
+              <a:ext uri="{FF2B5EF4-FFF2-40B4-BE49-F238E27FC236}">
+                <a16:creationId xmlns:a16="http://schemas.microsoft.com/office/drawing/2014/main" id="{CA3376D1-E215-DB77-F8A9-063E1ED19CF6}"/>
+              </a:ext>
+            </a:extLst>
+          </p:cNvPr>
+          <p:cNvSpPr/>
+          <p:nvPr/>
+        </p:nvSpPr>
+        <p:spPr>
+          <a:xfrm>
+            <a:off x="9292917" y="757324"/>
+            <a:ext cx="2700000" cy="2700000"/>
+          </a:xfrm>
+          <a:prstGeom prst="rect">
+            <a:avLst/>
+          </a:prstGeom>
+          <a:noFill/>
+          <a:ln w="6350">
+            <a:solidFill>
+              <a:schemeClr val="tx1"/>
+            </a:solidFill>
+          </a:ln>
+        </p:spPr>
+        <p:style>
+          <a:lnRef idx="2">
+            <a:schemeClr val="accent6"/>
+          </a:lnRef>
+          <a:fillRef idx="1">
+            <a:schemeClr val="lt1"/>
+          </a:fillRef>
+          <a:effectRef idx="0">
+            <a:schemeClr val="accent6"/>
+          </a:effectRef>
+          <a:fontRef idx="minor">
+            <a:schemeClr val="dk1"/>
+          </a:fontRef>
+        </p:style>
+        <p:txBody>
+          <a:bodyPr rtlCol="0" anchor="ctr"/>
+          <a:lstStyle/>
+          <a:p>
+            <a:pPr algn="ctr"/>
+            <a:endParaRPr lang="en-CN"/>
+          </a:p>
+        </p:txBody>
+      </p:sp>
+    </p:spTree>
+    <p:extLst>
+      <p:ext uri="{BB962C8B-B14F-4D97-AF65-F5344CB8AC3E}">
+        <p14:creationId xmlns:p14="http://schemas.microsoft.com/office/powerpoint/2010/main" val="1386489022"/>
       </p:ext>
     </p:extLst>
   </p:cSld>
